--- a/assets/favicon/yo.pptx
+++ b/assets/favicon/yo.pptx
@@ -3091,8 +3091,8 @@
         </p:nvSpPr>
         <p:spPr>
           <a:xfrm>
-            <a:off x="586200" y="-42178"/>
-            <a:ext cx="4314001" cy="5570756"/>
+            <a:off x="527690" y="-119122"/>
+            <a:ext cx="4431021" cy="5724644"/>
           </a:xfrm>
           <a:prstGeom prst="rect">
             <a:avLst/>
@@ -3107,11 +3107,9 @@
           <a:p>
             <a:pPr algn="ctr"/>
             <a:r>
-              <a:rPr lang="en-US" sz="35000" b="1" cap="none" dirty="0">
-                <a:ln w="63500" cap="flat" cmpd="dbl">
-                  <a:solidFill>
-                    <a:schemeClr val="tx1"/>
-                  </a:solidFill>
+              <a:rPr lang="en-US" sz="36000" b="1" dirty="0">
+                <a:ln w="63500" cap="flat" cmpd="sng">
+                  <a:noFill/>
                   <a:prstDash val="solid"/>
                   <a:miter lim="800000"/>
                 </a:ln>
